--- a/images/sobre.pptx
+++ b/images/sobre.pptx
@@ -243,7 +243,7 @@
           <a:p>
             <a:fld id="{876A8CA9-45F0-46CD-8B4A-5C7E107CCB0B}" type="datetimeFigureOut">
               <a:rPr lang="pt-BR" smtClean="0"/>
-              <a:t>11/05/2022</a:t>
+              <a:t>02/06/2022</a:t>
             </a:fld>
             <a:endParaRPr lang="pt-BR"/>
           </a:p>
@@ -413,7 +413,7 @@
           <a:p>
             <a:fld id="{876A8CA9-45F0-46CD-8B4A-5C7E107CCB0B}" type="datetimeFigureOut">
               <a:rPr lang="pt-BR" smtClean="0"/>
-              <a:t>11/05/2022</a:t>
+              <a:t>02/06/2022</a:t>
             </a:fld>
             <a:endParaRPr lang="pt-BR"/>
           </a:p>
@@ -593,7 +593,7 @@
           <a:p>
             <a:fld id="{876A8CA9-45F0-46CD-8B4A-5C7E107CCB0B}" type="datetimeFigureOut">
               <a:rPr lang="pt-BR" smtClean="0"/>
-              <a:t>11/05/2022</a:t>
+              <a:t>02/06/2022</a:t>
             </a:fld>
             <a:endParaRPr lang="pt-BR"/>
           </a:p>
@@ -763,7 +763,7 @@
           <a:p>
             <a:fld id="{876A8CA9-45F0-46CD-8B4A-5C7E107CCB0B}" type="datetimeFigureOut">
               <a:rPr lang="pt-BR" smtClean="0"/>
-              <a:t>11/05/2022</a:t>
+              <a:t>02/06/2022</a:t>
             </a:fld>
             <a:endParaRPr lang="pt-BR"/>
           </a:p>
@@ -1009,7 +1009,7 @@
           <a:p>
             <a:fld id="{876A8CA9-45F0-46CD-8B4A-5C7E107CCB0B}" type="datetimeFigureOut">
               <a:rPr lang="pt-BR" smtClean="0"/>
-              <a:t>11/05/2022</a:t>
+              <a:t>02/06/2022</a:t>
             </a:fld>
             <a:endParaRPr lang="pt-BR"/>
           </a:p>
@@ -1241,7 +1241,7 @@
           <a:p>
             <a:fld id="{876A8CA9-45F0-46CD-8B4A-5C7E107CCB0B}" type="datetimeFigureOut">
               <a:rPr lang="pt-BR" smtClean="0"/>
-              <a:t>11/05/2022</a:t>
+              <a:t>02/06/2022</a:t>
             </a:fld>
             <a:endParaRPr lang="pt-BR"/>
           </a:p>
@@ -1608,7 +1608,7 @@
           <a:p>
             <a:fld id="{876A8CA9-45F0-46CD-8B4A-5C7E107CCB0B}" type="datetimeFigureOut">
               <a:rPr lang="pt-BR" smtClean="0"/>
-              <a:t>11/05/2022</a:t>
+              <a:t>02/06/2022</a:t>
             </a:fld>
             <a:endParaRPr lang="pt-BR"/>
           </a:p>
@@ -1726,7 +1726,7 @@
           <a:p>
             <a:fld id="{876A8CA9-45F0-46CD-8B4A-5C7E107CCB0B}" type="datetimeFigureOut">
               <a:rPr lang="pt-BR" smtClean="0"/>
-              <a:t>11/05/2022</a:t>
+              <a:t>02/06/2022</a:t>
             </a:fld>
             <a:endParaRPr lang="pt-BR"/>
           </a:p>
@@ -1821,7 +1821,7 @@
           <a:p>
             <a:fld id="{876A8CA9-45F0-46CD-8B4A-5C7E107CCB0B}" type="datetimeFigureOut">
               <a:rPr lang="pt-BR" smtClean="0"/>
-              <a:t>11/05/2022</a:t>
+              <a:t>02/06/2022</a:t>
             </a:fld>
             <a:endParaRPr lang="pt-BR"/>
           </a:p>
@@ -2098,7 +2098,7 @@
           <a:p>
             <a:fld id="{876A8CA9-45F0-46CD-8B4A-5C7E107CCB0B}" type="datetimeFigureOut">
               <a:rPr lang="pt-BR" smtClean="0"/>
-              <a:t>11/05/2022</a:t>
+              <a:t>02/06/2022</a:t>
             </a:fld>
             <a:endParaRPr lang="pt-BR"/>
           </a:p>
@@ -2355,7 +2355,7 @@
           <a:p>
             <a:fld id="{876A8CA9-45F0-46CD-8B4A-5C7E107CCB0B}" type="datetimeFigureOut">
               <a:rPr lang="pt-BR" smtClean="0"/>
-              <a:t>11/05/2022</a:t>
+              <a:t>02/06/2022</a:t>
             </a:fld>
             <a:endParaRPr lang="pt-BR"/>
           </a:p>
@@ -2568,7 +2568,7 @@
           <a:p>
             <a:fld id="{876A8CA9-45F0-46CD-8B4A-5C7E107CCB0B}" type="datetimeFigureOut">
               <a:rPr lang="pt-BR" smtClean="0"/>
-              <a:t>11/05/2022</a:t>
+              <a:t>02/06/2022</a:t>
             </a:fld>
             <a:endParaRPr lang="pt-BR"/>
           </a:p>
@@ -3496,6 +3496,45 @@
           </a:p>
         </p:txBody>
       </p:sp>
+      <p:sp>
+        <p:nvSpPr>
+          <p:cNvPr id="4" name="CaixaDeTexto 3">
+            <a:extLst>
+              <a:ext uri="{FF2B5EF4-FFF2-40B4-BE49-F238E27FC236}">
+                <a16:creationId xmlns:a16="http://schemas.microsoft.com/office/drawing/2014/main" id="{94873317-EEA1-41AA-F09E-6EFEEC748576}"/>
+              </a:ext>
+            </a:extLst>
+          </p:cNvPr>
+          <p:cNvSpPr txBox="1"/>
+          <p:nvPr/>
+        </p:nvSpPr>
+        <p:spPr>
+          <a:xfrm>
+            <a:off x="4382077" y="4687473"/>
+            <a:ext cx="4222125" cy="369332"/>
+          </a:xfrm>
+          <a:prstGeom prst="rect">
+            <a:avLst/>
+          </a:prstGeom>
+          <a:noFill/>
+        </p:spPr>
+        <p:txBody>
+          <a:bodyPr wrap="square" rtlCol="0">
+            <a:spAutoFit/>
+          </a:bodyPr>
+          <a:lstStyle/>
+          <a:p>
+            <a:r>
+              <a:rPr lang="pt-BR" b="1" dirty="0">
+                <a:solidFill>
+                  <a:srgbClr val="FF0000"/>
+                </a:solidFill>
+              </a:rPr>
+              <a:t>Referência: Professor Aparecido</a:t>
+            </a:r>
+          </a:p>
+        </p:txBody>
+      </p:sp>
     </p:spTree>
     <p:extLst>
       <p:ext uri="{BB962C8B-B14F-4D97-AF65-F5344CB8AC3E}">
